--- a/アーカイブまとめ/分割/制作者のコメントnew.pptx
+++ b/アーカイブまとめ/分割/制作者のコメントnew.pptx
@@ -3322,17 +3322,10 @@
     <dgm:pt modelId="{CE3EA7D6-0BE3-4688-BEC5-4207294FA704}" type="pres">
       <dgm:prSet presAssocID="{1FE7E419-2FE6-42AF-BEB7-11B6989E3744}" presName="img" presStyleLbl="fgImgPlace1" presStyleIdx="2" presStyleCnt="5"/>
       <dgm:spPr>
-        <a:blipFill>
-          <a:blip xmlns:r="http://schemas.openxmlformats.org/officeDocument/2006/relationships" r:embed="rId3">
-            <a:extLst>
-              <a:ext uri="{28A0092B-C50C-407E-A947-70E740481C1C}">
-                <a14:useLocalDpi xmlns:a14="http://schemas.microsoft.com/office/drawing/2010/main" val="0"/>
-              </a:ext>
-            </a:extLst>
-          </a:blip>
-          <a:srcRect/>
+        <a:blipFill rotWithShape="1">
+          <a:blip xmlns:r="http://schemas.openxmlformats.org/officeDocument/2006/relationships" r:embed="rId3"/>
           <a:stretch>
-            <a:fillRect t="-6000" b="-6000"/>
+            <a:fillRect/>
           </a:stretch>
         </a:blipFill>
       </dgm:spPr>
@@ -3971,25 +3964,25 @@
     </dgm:pt>
   </dgm:ptLst>
   <dgm:cxnLst>
+    <dgm:cxn modelId="{BCE42DA4-B222-419A-B580-D298138D40C7}" type="presOf" srcId="{AA9D375B-93DB-497F-B4DC-6AA6EB5ED166}" destId="{18A78CC3-C81E-4D29-9490-A4582C404108}" srcOrd="1" destOrd="2" presId="urn:microsoft.com/office/officeart/2005/8/layout/vList4"/>
+    <dgm:cxn modelId="{45183E69-1EF9-4066-A433-ABC469048BEC}" type="presOf" srcId="{85FF1B83-30CC-4D67-8823-93CA2F7E4072}" destId="{68D4CEE8-FC32-4604-9D9B-95D79D1206E6}" srcOrd="0" destOrd="1" presId="urn:microsoft.com/office/officeart/2005/8/layout/vList4"/>
+    <dgm:cxn modelId="{DD018D43-A813-486F-A163-2309C2CBCA77}" srcId="{F1A2854A-4EAB-4A64-AE23-989BDBFA0E13}" destId="{85FF1B83-30CC-4D67-8823-93CA2F7E4072}" srcOrd="0" destOrd="0" parTransId="{F8722547-05F7-4F18-A7D6-ADFCC6A357E9}" sibTransId="{7807F1EF-A202-48E0-BC08-F1A06006EF87}"/>
+    <dgm:cxn modelId="{DA9A1C39-F5B0-4DA9-884D-ABA476457A24}" srcId="{666652F6-1F95-47A8-8073-6D31846E62B7}" destId="{AA9D375B-93DB-497F-B4DC-6AA6EB5ED166}" srcOrd="1" destOrd="0" parTransId="{04ACDD3E-15BF-4D5E-8E80-996B2895A929}" sibTransId="{77239C7B-A832-4B89-8673-D5246E812090}"/>
+    <dgm:cxn modelId="{C16BEE2A-AC1D-4EFA-B732-21FB47AEB052}" type="presOf" srcId="{C019C5EB-B929-458B-B014-E60B017D1F0D}" destId="{18A78CC3-C81E-4D29-9490-A4582C404108}" srcOrd="1" destOrd="1" presId="urn:microsoft.com/office/officeart/2005/8/layout/vList4"/>
+    <dgm:cxn modelId="{6C50A5BD-AC75-44AC-A236-A9E7D76AB054}" srcId="{F1A2854A-4EAB-4A64-AE23-989BDBFA0E13}" destId="{79A27AF8-CC32-46A3-94F5-8B84B86715F8}" srcOrd="1" destOrd="0" parTransId="{C2F3BECD-A423-498C-AD5C-70A7D95BF635}" sibTransId="{B549A041-C88F-4C3E-8213-F9267ECB2945}"/>
+    <dgm:cxn modelId="{7B2F2D03-AD48-45E1-99AF-A9D11FC2EF23}" type="presOf" srcId="{666652F6-1F95-47A8-8073-6D31846E62B7}" destId="{0B372F1C-1A04-4A86-B1DC-189252E666EC}" srcOrd="0" destOrd="0" presId="urn:microsoft.com/office/officeart/2005/8/layout/vList4"/>
+    <dgm:cxn modelId="{17E8D5B4-C9A6-454E-BEB6-060D0EF5408C}" srcId="{217A6F36-DDB0-43C3-B608-5B6117458FCF}" destId="{666652F6-1F95-47A8-8073-6D31846E62B7}" srcOrd="0" destOrd="0" parTransId="{2092ACAD-9D09-47D9-B81D-BE636E91B6AA}" sibTransId="{4C592C88-5DE5-45D9-B80F-6B957BEC02C8}"/>
     <dgm:cxn modelId="{3B89B61F-D814-4DE8-9F51-A23A708243AA}" type="presOf" srcId="{79A27AF8-CC32-46A3-94F5-8B84B86715F8}" destId="{68D4CEE8-FC32-4604-9D9B-95D79D1206E6}" srcOrd="0" destOrd="2" presId="urn:microsoft.com/office/officeart/2005/8/layout/vList4"/>
+    <dgm:cxn modelId="{8AE1F306-7F48-4CAF-83BF-12618607D054}" srcId="{217A6F36-DDB0-43C3-B608-5B6117458FCF}" destId="{F1A2854A-4EAB-4A64-AE23-989BDBFA0E13}" srcOrd="1" destOrd="0" parTransId="{1C290B54-C25B-459B-943B-59D880AF5846}" sibTransId="{AC7005F4-9A5C-408D-B001-524F76CBD4D2}"/>
     <dgm:cxn modelId="{264D514A-88DF-4B08-B43A-B2753F556B63}" type="presOf" srcId="{217A6F36-DDB0-43C3-B608-5B6117458FCF}" destId="{4BE5D136-8BD1-441C-BD36-67B7CB620367}" srcOrd="0" destOrd="0" presId="urn:microsoft.com/office/officeart/2005/8/layout/vList4"/>
-    <dgm:cxn modelId="{6C50A5BD-AC75-44AC-A236-A9E7D76AB054}" srcId="{F1A2854A-4EAB-4A64-AE23-989BDBFA0E13}" destId="{79A27AF8-CC32-46A3-94F5-8B84B86715F8}" srcOrd="1" destOrd="0" parTransId="{C2F3BECD-A423-498C-AD5C-70A7D95BF635}" sibTransId="{B549A041-C88F-4C3E-8213-F9267ECB2945}"/>
-    <dgm:cxn modelId="{8AE1F306-7F48-4CAF-83BF-12618607D054}" srcId="{217A6F36-DDB0-43C3-B608-5B6117458FCF}" destId="{F1A2854A-4EAB-4A64-AE23-989BDBFA0E13}" srcOrd="1" destOrd="0" parTransId="{1C290B54-C25B-459B-943B-59D880AF5846}" sibTransId="{AC7005F4-9A5C-408D-B001-524F76CBD4D2}"/>
-    <dgm:cxn modelId="{6EDEADD7-7E44-45C7-B69C-C518B88CBA5C}" type="presOf" srcId="{C019C5EB-B929-458B-B014-E60B017D1F0D}" destId="{0B372F1C-1A04-4A86-B1DC-189252E666EC}" srcOrd="0" destOrd="1" presId="urn:microsoft.com/office/officeart/2005/8/layout/vList4"/>
-    <dgm:cxn modelId="{5A8C9BE2-A53E-4BAB-865D-C8AA85182CD2}" type="presOf" srcId="{F1A2854A-4EAB-4A64-AE23-989BDBFA0E13}" destId="{68D4CEE8-FC32-4604-9D9B-95D79D1206E6}" srcOrd="0" destOrd="0" presId="urn:microsoft.com/office/officeart/2005/8/layout/vList4"/>
-    <dgm:cxn modelId="{48BE6DB3-3C98-43FD-A87E-03F39E201B9B}" type="presOf" srcId="{79A27AF8-CC32-46A3-94F5-8B84B86715F8}" destId="{3BBC335C-E113-445F-BF24-95318F65A1B3}" srcOrd="1" destOrd="2" presId="urn:microsoft.com/office/officeart/2005/8/layout/vList4"/>
-    <dgm:cxn modelId="{7B2F2D03-AD48-45E1-99AF-A9D11FC2EF23}" type="presOf" srcId="{666652F6-1F95-47A8-8073-6D31846E62B7}" destId="{0B372F1C-1A04-4A86-B1DC-189252E666EC}" srcOrd="0" destOrd="0" presId="urn:microsoft.com/office/officeart/2005/8/layout/vList4"/>
-    <dgm:cxn modelId="{B85B818B-551C-42B2-B01F-52353087D747}" srcId="{666652F6-1F95-47A8-8073-6D31846E62B7}" destId="{C019C5EB-B929-458B-B014-E60B017D1F0D}" srcOrd="0" destOrd="0" parTransId="{39250A5B-5FD2-4A0D-AE85-0260F2E9E3ED}" sibTransId="{9190283A-4F73-4E25-B82F-029878E7D6ED}"/>
-    <dgm:cxn modelId="{872D0DAF-3313-4826-97E2-FA12195C4112}" type="presOf" srcId="{85FF1B83-30CC-4D67-8823-93CA2F7E4072}" destId="{3BBC335C-E113-445F-BF24-95318F65A1B3}" srcOrd="1" destOrd="1" presId="urn:microsoft.com/office/officeart/2005/8/layout/vList4"/>
-    <dgm:cxn modelId="{17E8D5B4-C9A6-454E-BEB6-060D0EF5408C}" srcId="{217A6F36-DDB0-43C3-B608-5B6117458FCF}" destId="{666652F6-1F95-47A8-8073-6D31846E62B7}" srcOrd="0" destOrd="0" parTransId="{2092ACAD-9D09-47D9-B81D-BE636E91B6AA}" sibTransId="{4C592C88-5DE5-45D9-B80F-6B957BEC02C8}"/>
     <dgm:cxn modelId="{B5059117-3555-4BE6-B70C-718D93AA6CD5}" type="presOf" srcId="{666652F6-1F95-47A8-8073-6D31846E62B7}" destId="{18A78CC3-C81E-4D29-9490-A4582C404108}" srcOrd="1" destOrd="0" presId="urn:microsoft.com/office/officeart/2005/8/layout/vList4"/>
     <dgm:cxn modelId="{6187DC3B-3626-4F8A-9F7B-C0137C40EE78}" type="presOf" srcId="{AA9D375B-93DB-497F-B4DC-6AA6EB5ED166}" destId="{0B372F1C-1A04-4A86-B1DC-189252E666EC}" srcOrd="0" destOrd="2" presId="urn:microsoft.com/office/officeart/2005/8/layout/vList4"/>
-    <dgm:cxn modelId="{DA9A1C39-F5B0-4DA9-884D-ABA476457A24}" srcId="{666652F6-1F95-47A8-8073-6D31846E62B7}" destId="{AA9D375B-93DB-497F-B4DC-6AA6EB5ED166}" srcOrd="1" destOrd="0" parTransId="{04ACDD3E-15BF-4D5E-8E80-996B2895A929}" sibTransId="{77239C7B-A832-4B89-8673-D5246E812090}"/>
+    <dgm:cxn modelId="{48BE6DB3-3C98-43FD-A87E-03F39E201B9B}" type="presOf" srcId="{79A27AF8-CC32-46A3-94F5-8B84B86715F8}" destId="{3BBC335C-E113-445F-BF24-95318F65A1B3}" srcOrd="1" destOrd="2" presId="urn:microsoft.com/office/officeart/2005/8/layout/vList4"/>
+    <dgm:cxn modelId="{B85B818B-551C-42B2-B01F-52353087D747}" srcId="{666652F6-1F95-47A8-8073-6D31846E62B7}" destId="{C019C5EB-B929-458B-B014-E60B017D1F0D}" srcOrd="0" destOrd="0" parTransId="{39250A5B-5FD2-4A0D-AE85-0260F2E9E3ED}" sibTransId="{9190283A-4F73-4E25-B82F-029878E7D6ED}"/>
+    <dgm:cxn modelId="{6EDEADD7-7E44-45C7-B69C-C518B88CBA5C}" type="presOf" srcId="{C019C5EB-B929-458B-B014-E60B017D1F0D}" destId="{0B372F1C-1A04-4A86-B1DC-189252E666EC}" srcOrd="0" destOrd="1" presId="urn:microsoft.com/office/officeart/2005/8/layout/vList4"/>
     <dgm:cxn modelId="{0C397B95-7B37-476D-A187-376386390A7F}" type="presOf" srcId="{F1A2854A-4EAB-4A64-AE23-989BDBFA0E13}" destId="{3BBC335C-E113-445F-BF24-95318F65A1B3}" srcOrd="1" destOrd="0" presId="urn:microsoft.com/office/officeart/2005/8/layout/vList4"/>
-    <dgm:cxn modelId="{BCE42DA4-B222-419A-B580-D298138D40C7}" type="presOf" srcId="{AA9D375B-93DB-497F-B4DC-6AA6EB5ED166}" destId="{18A78CC3-C81E-4D29-9490-A4582C404108}" srcOrd="1" destOrd="2" presId="urn:microsoft.com/office/officeart/2005/8/layout/vList4"/>
-    <dgm:cxn modelId="{C16BEE2A-AC1D-4EFA-B732-21FB47AEB052}" type="presOf" srcId="{C019C5EB-B929-458B-B014-E60B017D1F0D}" destId="{18A78CC3-C81E-4D29-9490-A4582C404108}" srcOrd="1" destOrd="1" presId="urn:microsoft.com/office/officeart/2005/8/layout/vList4"/>
-    <dgm:cxn modelId="{45183E69-1EF9-4066-A433-ABC469048BEC}" type="presOf" srcId="{85FF1B83-30CC-4D67-8823-93CA2F7E4072}" destId="{68D4CEE8-FC32-4604-9D9B-95D79D1206E6}" srcOrd="0" destOrd="1" presId="urn:microsoft.com/office/officeart/2005/8/layout/vList4"/>
-    <dgm:cxn modelId="{DD018D43-A813-486F-A163-2309C2CBCA77}" srcId="{F1A2854A-4EAB-4A64-AE23-989BDBFA0E13}" destId="{85FF1B83-30CC-4D67-8823-93CA2F7E4072}" srcOrd="0" destOrd="0" parTransId="{F8722547-05F7-4F18-A7D6-ADFCC6A357E9}" sibTransId="{7807F1EF-A202-48E0-BC08-F1A06006EF87}"/>
+    <dgm:cxn modelId="{5A8C9BE2-A53E-4BAB-865D-C8AA85182CD2}" type="presOf" srcId="{F1A2854A-4EAB-4A64-AE23-989BDBFA0E13}" destId="{68D4CEE8-FC32-4604-9D9B-95D79D1206E6}" srcOrd="0" destOrd="0" presId="urn:microsoft.com/office/officeart/2005/8/layout/vList4"/>
+    <dgm:cxn modelId="{872D0DAF-3313-4826-97E2-FA12195C4112}" type="presOf" srcId="{85FF1B83-30CC-4D67-8823-93CA2F7E4072}" destId="{3BBC335C-E113-445F-BF24-95318F65A1B3}" srcOrd="1" destOrd="1" presId="urn:microsoft.com/office/officeart/2005/8/layout/vList4"/>
     <dgm:cxn modelId="{4C4EBAB1-E163-4D5D-A88A-84B3D3EB7AAF}" type="presParOf" srcId="{4BE5D136-8BD1-441C-BD36-67B7CB620367}" destId="{625FD570-F2C0-45EF-AE1B-157268F1F9B8}" srcOrd="0" destOrd="0" presId="urn:microsoft.com/office/officeart/2005/8/layout/vList4"/>
     <dgm:cxn modelId="{089AE70F-7A30-4ACE-8CA4-0ACDD01D4C45}" type="presParOf" srcId="{625FD570-F2C0-45EF-AE1B-157268F1F9B8}" destId="{0B372F1C-1A04-4A86-B1DC-189252E666EC}" srcOrd="0" destOrd="0" presId="urn:microsoft.com/office/officeart/2005/8/layout/vList4"/>
     <dgm:cxn modelId="{6D27E316-F161-4549-917F-D03539DA13BF}" type="presParOf" srcId="{625FD570-F2C0-45EF-AE1B-157268F1F9B8}" destId="{C15688EA-32D5-40B4-95D4-EB6321DB5631}" srcOrd="1" destOrd="0" presId="urn:microsoft.com/office/officeart/2005/8/layout/vList4"/>
@@ -4558,31 +4551,31 @@
     </dgm:pt>
   </dgm:ptLst>
   <dgm:cxnLst>
+    <dgm:cxn modelId="{BCE42DA4-B222-419A-B580-D298138D40C7}" type="presOf" srcId="{AA9D375B-93DB-497F-B4DC-6AA6EB5ED166}" destId="{18A78CC3-C81E-4D29-9490-A4582C404108}" srcOrd="1" destOrd="2" presId="urn:microsoft.com/office/officeart/2005/8/layout/vList4"/>
+    <dgm:cxn modelId="{DA9A1C39-F5B0-4DA9-884D-ABA476457A24}" srcId="{666652F6-1F95-47A8-8073-6D31846E62B7}" destId="{AA9D375B-93DB-497F-B4DC-6AA6EB5ED166}" srcOrd="1" destOrd="0" parTransId="{04ACDD3E-15BF-4D5E-8E80-996B2895A929}" sibTransId="{77239C7B-A832-4B89-8673-D5246E812090}"/>
+    <dgm:cxn modelId="{1CF486A6-5323-4181-AC5F-F76D7BB29101}" type="presOf" srcId="{420C7F46-BF5A-45BF-BF05-402899609562}" destId="{71514800-9BBF-4CB9-ABCA-6A9D0357D521}" srcOrd="1" destOrd="2" presId="urn:microsoft.com/office/officeart/2005/8/layout/vList4"/>
+    <dgm:cxn modelId="{D7D03C92-2D71-4FF2-AFEC-FB40C6EB0270}" srcId="{3A7EA146-AB85-4E1F-AB5A-23192859C115}" destId="{420C7F46-BF5A-45BF-BF05-402899609562}" srcOrd="1" destOrd="0" parTransId="{337245C9-392C-46E2-8184-482C11835827}" sibTransId="{A3052453-006F-4FC7-9808-D1BD594A9D66}"/>
+    <dgm:cxn modelId="{965D8352-B86A-484D-AFE2-3C9FCAF26BEE}" srcId="{3A7EA146-AB85-4E1F-AB5A-23192859C115}" destId="{E277E953-388C-48DD-9597-606BEB3E4ABB}" srcOrd="0" destOrd="0" parTransId="{48E9A863-9656-422F-9530-8E9BB1AE56CD}" sibTransId="{A4784A3E-125B-407A-B66F-B4DB05C87C9F}"/>
+    <dgm:cxn modelId="{C16BEE2A-AC1D-4EFA-B732-21FB47AEB052}" type="presOf" srcId="{C019C5EB-B929-458B-B014-E60B017D1F0D}" destId="{18A78CC3-C81E-4D29-9490-A4582C404108}" srcOrd="1" destOrd="1" presId="urn:microsoft.com/office/officeart/2005/8/layout/vList4"/>
+    <dgm:cxn modelId="{6C50A5BD-AC75-44AC-A236-A9E7D76AB054}" srcId="{F1A2854A-4EAB-4A64-AE23-989BDBFA0E13}" destId="{79A27AF8-CC32-46A3-94F5-8B84B86715F8}" srcOrd="0" destOrd="0" parTransId="{C2F3BECD-A423-498C-AD5C-70A7D95BF635}" sibTransId="{B549A041-C88F-4C3E-8213-F9267ECB2945}"/>
+    <dgm:cxn modelId="{DDAA4285-5027-4A09-880A-DB4967D51CF1}" type="presOf" srcId="{3A7EA146-AB85-4E1F-AB5A-23192859C115}" destId="{DF1E0C04-23F9-47CC-987E-E251A2FF75F2}" srcOrd="0" destOrd="0" presId="urn:microsoft.com/office/officeart/2005/8/layout/vList4"/>
+    <dgm:cxn modelId="{5BFC9D1C-54DA-4791-A382-4F8C4F4B8D2A}" srcId="{217A6F36-DDB0-43C3-B608-5B6117458FCF}" destId="{3A7EA146-AB85-4E1F-AB5A-23192859C115}" srcOrd="1" destOrd="0" parTransId="{182D902A-9872-4F39-904C-CF931D8219E7}" sibTransId="{A1231544-AE8C-40C6-B996-EA15C7FFC773}"/>
+    <dgm:cxn modelId="{A2F2AEB2-0E8B-485A-A1D3-3491359197D9}" type="presOf" srcId="{E277E953-388C-48DD-9597-606BEB3E4ABB}" destId="{DF1E0C04-23F9-47CC-987E-E251A2FF75F2}" srcOrd="0" destOrd="1" presId="urn:microsoft.com/office/officeart/2005/8/layout/vList4"/>
+    <dgm:cxn modelId="{7B2F2D03-AD48-45E1-99AF-A9D11FC2EF23}" type="presOf" srcId="{666652F6-1F95-47A8-8073-6D31846E62B7}" destId="{0B372F1C-1A04-4A86-B1DC-189252E666EC}" srcOrd="0" destOrd="0" presId="urn:microsoft.com/office/officeart/2005/8/layout/vList4"/>
+    <dgm:cxn modelId="{17E8D5B4-C9A6-454E-BEB6-060D0EF5408C}" srcId="{217A6F36-DDB0-43C3-B608-5B6117458FCF}" destId="{666652F6-1F95-47A8-8073-6D31846E62B7}" srcOrd="0" destOrd="0" parTransId="{2092ACAD-9D09-47D9-B81D-BE636E91B6AA}" sibTransId="{4C592C88-5DE5-45D9-B80F-6B957BEC02C8}"/>
     <dgm:cxn modelId="{3B89B61F-D814-4DE8-9F51-A23A708243AA}" type="presOf" srcId="{79A27AF8-CC32-46A3-94F5-8B84B86715F8}" destId="{68D4CEE8-FC32-4604-9D9B-95D79D1206E6}" srcOrd="0" destOrd="1" presId="urn:microsoft.com/office/officeart/2005/8/layout/vList4"/>
+    <dgm:cxn modelId="{8AE1F306-7F48-4CAF-83BF-12618607D054}" srcId="{217A6F36-DDB0-43C3-B608-5B6117458FCF}" destId="{F1A2854A-4EAB-4A64-AE23-989BDBFA0E13}" srcOrd="2" destOrd="0" parTransId="{1C290B54-C25B-459B-943B-59D880AF5846}" sibTransId="{AC7005F4-9A5C-408D-B001-524F76CBD4D2}"/>
+    <dgm:cxn modelId="{C1B847A4-2E6F-4393-89F2-DCED96E2BFA1}" type="presOf" srcId="{3A7EA146-AB85-4E1F-AB5A-23192859C115}" destId="{71514800-9BBF-4CB9-ABCA-6A9D0357D521}" srcOrd="1" destOrd="0" presId="urn:microsoft.com/office/officeart/2005/8/layout/vList4"/>
     <dgm:cxn modelId="{264D514A-88DF-4B08-B43A-B2753F556B63}" type="presOf" srcId="{217A6F36-DDB0-43C3-B608-5B6117458FCF}" destId="{4BE5D136-8BD1-441C-BD36-67B7CB620367}" srcOrd="0" destOrd="0" presId="urn:microsoft.com/office/officeart/2005/8/layout/vList4"/>
-    <dgm:cxn modelId="{6C50A5BD-AC75-44AC-A236-A9E7D76AB054}" srcId="{F1A2854A-4EAB-4A64-AE23-989BDBFA0E13}" destId="{79A27AF8-CC32-46A3-94F5-8B84B86715F8}" srcOrd="0" destOrd="0" parTransId="{C2F3BECD-A423-498C-AD5C-70A7D95BF635}" sibTransId="{B549A041-C88F-4C3E-8213-F9267ECB2945}"/>
-    <dgm:cxn modelId="{8AE1F306-7F48-4CAF-83BF-12618607D054}" srcId="{217A6F36-DDB0-43C3-B608-5B6117458FCF}" destId="{F1A2854A-4EAB-4A64-AE23-989BDBFA0E13}" srcOrd="2" destOrd="0" parTransId="{1C290B54-C25B-459B-943B-59D880AF5846}" sibTransId="{AC7005F4-9A5C-408D-B001-524F76CBD4D2}"/>
-    <dgm:cxn modelId="{1CF486A6-5323-4181-AC5F-F76D7BB29101}" type="presOf" srcId="{420C7F46-BF5A-45BF-BF05-402899609562}" destId="{71514800-9BBF-4CB9-ABCA-6A9D0357D521}" srcOrd="1" destOrd="2" presId="urn:microsoft.com/office/officeart/2005/8/layout/vList4"/>
-    <dgm:cxn modelId="{6EDEADD7-7E44-45C7-B69C-C518B88CBA5C}" type="presOf" srcId="{C019C5EB-B929-458B-B014-E60B017D1F0D}" destId="{0B372F1C-1A04-4A86-B1DC-189252E666EC}" srcOrd="0" destOrd="1" presId="urn:microsoft.com/office/officeart/2005/8/layout/vList4"/>
-    <dgm:cxn modelId="{5A8C9BE2-A53E-4BAB-865D-C8AA85182CD2}" type="presOf" srcId="{F1A2854A-4EAB-4A64-AE23-989BDBFA0E13}" destId="{68D4CEE8-FC32-4604-9D9B-95D79D1206E6}" srcOrd="0" destOrd="0" presId="urn:microsoft.com/office/officeart/2005/8/layout/vList4"/>
-    <dgm:cxn modelId="{48BE6DB3-3C98-43FD-A87E-03F39E201B9B}" type="presOf" srcId="{79A27AF8-CC32-46A3-94F5-8B84B86715F8}" destId="{3BBC335C-E113-445F-BF24-95318F65A1B3}" srcOrd="1" destOrd="1" presId="urn:microsoft.com/office/officeart/2005/8/layout/vList4"/>
-    <dgm:cxn modelId="{A2F2AEB2-0E8B-485A-A1D3-3491359197D9}" type="presOf" srcId="{E277E953-388C-48DD-9597-606BEB3E4ABB}" destId="{DF1E0C04-23F9-47CC-987E-E251A2FF75F2}" srcOrd="0" destOrd="1" presId="urn:microsoft.com/office/officeart/2005/8/layout/vList4"/>
-    <dgm:cxn modelId="{31668A16-E512-4138-81DA-9CD722060B3C}" type="presOf" srcId="{E277E953-388C-48DD-9597-606BEB3E4ABB}" destId="{71514800-9BBF-4CB9-ABCA-6A9D0357D521}" srcOrd="1" destOrd="1" presId="urn:microsoft.com/office/officeart/2005/8/layout/vList4"/>
-    <dgm:cxn modelId="{7B2F2D03-AD48-45E1-99AF-A9D11FC2EF23}" type="presOf" srcId="{666652F6-1F95-47A8-8073-6D31846E62B7}" destId="{0B372F1C-1A04-4A86-B1DC-189252E666EC}" srcOrd="0" destOrd="0" presId="urn:microsoft.com/office/officeart/2005/8/layout/vList4"/>
-    <dgm:cxn modelId="{B85B818B-551C-42B2-B01F-52353087D747}" srcId="{666652F6-1F95-47A8-8073-6D31846E62B7}" destId="{C019C5EB-B929-458B-B014-E60B017D1F0D}" srcOrd="0" destOrd="0" parTransId="{39250A5B-5FD2-4A0D-AE85-0260F2E9E3ED}" sibTransId="{9190283A-4F73-4E25-B82F-029878E7D6ED}"/>
-    <dgm:cxn modelId="{965D8352-B86A-484D-AFE2-3C9FCAF26BEE}" srcId="{3A7EA146-AB85-4E1F-AB5A-23192859C115}" destId="{E277E953-388C-48DD-9597-606BEB3E4ABB}" srcOrd="0" destOrd="0" parTransId="{48E9A863-9656-422F-9530-8E9BB1AE56CD}" sibTransId="{A4784A3E-125B-407A-B66F-B4DB05C87C9F}"/>
-    <dgm:cxn modelId="{17E8D5B4-C9A6-454E-BEB6-060D0EF5408C}" srcId="{217A6F36-DDB0-43C3-B608-5B6117458FCF}" destId="{666652F6-1F95-47A8-8073-6D31846E62B7}" srcOrd="0" destOrd="0" parTransId="{2092ACAD-9D09-47D9-B81D-BE636E91B6AA}" sibTransId="{4C592C88-5DE5-45D9-B80F-6B957BEC02C8}"/>
     <dgm:cxn modelId="{B5059117-3555-4BE6-B70C-718D93AA6CD5}" type="presOf" srcId="{666652F6-1F95-47A8-8073-6D31846E62B7}" destId="{18A78CC3-C81E-4D29-9490-A4582C404108}" srcOrd="1" destOrd="0" presId="urn:microsoft.com/office/officeart/2005/8/layout/vList4"/>
     <dgm:cxn modelId="{6187DC3B-3626-4F8A-9F7B-C0137C40EE78}" type="presOf" srcId="{AA9D375B-93DB-497F-B4DC-6AA6EB5ED166}" destId="{0B372F1C-1A04-4A86-B1DC-189252E666EC}" srcOrd="0" destOrd="2" presId="urn:microsoft.com/office/officeart/2005/8/layout/vList4"/>
+    <dgm:cxn modelId="{31668A16-E512-4138-81DA-9CD722060B3C}" type="presOf" srcId="{E277E953-388C-48DD-9597-606BEB3E4ABB}" destId="{71514800-9BBF-4CB9-ABCA-6A9D0357D521}" srcOrd="1" destOrd="1" presId="urn:microsoft.com/office/officeart/2005/8/layout/vList4"/>
+    <dgm:cxn modelId="{48BE6DB3-3C98-43FD-A87E-03F39E201B9B}" type="presOf" srcId="{79A27AF8-CC32-46A3-94F5-8B84B86715F8}" destId="{3BBC335C-E113-445F-BF24-95318F65A1B3}" srcOrd="1" destOrd="1" presId="urn:microsoft.com/office/officeart/2005/8/layout/vList4"/>
+    <dgm:cxn modelId="{B85B818B-551C-42B2-B01F-52353087D747}" srcId="{666652F6-1F95-47A8-8073-6D31846E62B7}" destId="{C019C5EB-B929-458B-B014-E60B017D1F0D}" srcOrd="0" destOrd="0" parTransId="{39250A5B-5FD2-4A0D-AE85-0260F2E9E3ED}" sibTransId="{9190283A-4F73-4E25-B82F-029878E7D6ED}"/>
+    <dgm:cxn modelId="{6EDEADD7-7E44-45C7-B69C-C518B88CBA5C}" type="presOf" srcId="{C019C5EB-B929-458B-B014-E60B017D1F0D}" destId="{0B372F1C-1A04-4A86-B1DC-189252E666EC}" srcOrd="0" destOrd="1" presId="urn:microsoft.com/office/officeart/2005/8/layout/vList4"/>
     <dgm:cxn modelId="{A1C1CEB9-D3E9-4DE9-A287-A5880A3A374A}" type="presOf" srcId="{420C7F46-BF5A-45BF-BF05-402899609562}" destId="{DF1E0C04-23F9-47CC-987E-E251A2FF75F2}" srcOrd="0" destOrd="2" presId="urn:microsoft.com/office/officeart/2005/8/layout/vList4"/>
-    <dgm:cxn modelId="{C1B847A4-2E6F-4393-89F2-DCED96E2BFA1}" type="presOf" srcId="{3A7EA146-AB85-4E1F-AB5A-23192859C115}" destId="{71514800-9BBF-4CB9-ABCA-6A9D0357D521}" srcOrd="1" destOrd="0" presId="urn:microsoft.com/office/officeart/2005/8/layout/vList4"/>
-    <dgm:cxn modelId="{DDAA4285-5027-4A09-880A-DB4967D51CF1}" type="presOf" srcId="{3A7EA146-AB85-4E1F-AB5A-23192859C115}" destId="{DF1E0C04-23F9-47CC-987E-E251A2FF75F2}" srcOrd="0" destOrd="0" presId="urn:microsoft.com/office/officeart/2005/8/layout/vList4"/>
-    <dgm:cxn modelId="{DA9A1C39-F5B0-4DA9-884D-ABA476457A24}" srcId="{666652F6-1F95-47A8-8073-6D31846E62B7}" destId="{AA9D375B-93DB-497F-B4DC-6AA6EB5ED166}" srcOrd="1" destOrd="0" parTransId="{04ACDD3E-15BF-4D5E-8E80-996B2895A929}" sibTransId="{77239C7B-A832-4B89-8673-D5246E812090}"/>
     <dgm:cxn modelId="{0C397B95-7B37-476D-A187-376386390A7F}" type="presOf" srcId="{F1A2854A-4EAB-4A64-AE23-989BDBFA0E13}" destId="{3BBC335C-E113-445F-BF24-95318F65A1B3}" srcOrd="1" destOrd="0" presId="urn:microsoft.com/office/officeart/2005/8/layout/vList4"/>
-    <dgm:cxn modelId="{5BFC9D1C-54DA-4791-A382-4F8C4F4B8D2A}" srcId="{217A6F36-DDB0-43C3-B608-5B6117458FCF}" destId="{3A7EA146-AB85-4E1F-AB5A-23192859C115}" srcOrd="1" destOrd="0" parTransId="{182D902A-9872-4F39-904C-CF931D8219E7}" sibTransId="{A1231544-AE8C-40C6-B996-EA15C7FFC773}"/>
-    <dgm:cxn modelId="{BCE42DA4-B222-419A-B580-D298138D40C7}" type="presOf" srcId="{AA9D375B-93DB-497F-B4DC-6AA6EB5ED166}" destId="{18A78CC3-C81E-4D29-9490-A4582C404108}" srcOrd="1" destOrd="2" presId="urn:microsoft.com/office/officeart/2005/8/layout/vList4"/>
-    <dgm:cxn modelId="{C16BEE2A-AC1D-4EFA-B732-21FB47AEB052}" type="presOf" srcId="{C019C5EB-B929-458B-B014-E60B017D1F0D}" destId="{18A78CC3-C81E-4D29-9490-A4582C404108}" srcOrd="1" destOrd="1" presId="urn:microsoft.com/office/officeart/2005/8/layout/vList4"/>
-    <dgm:cxn modelId="{D7D03C92-2D71-4FF2-AFEC-FB40C6EB0270}" srcId="{3A7EA146-AB85-4E1F-AB5A-23192859C115}" destId="{420C7F46-BF5A-45BF-BF05-402899609562}" srcOrd="1" destOrd="0" parTransId="{337245C9-392C-46E2-8184-482C11835827}" sibTransId="{A3052453-006F-4FC7-9808-D1BD594A9D66}"/>
+    <dgm:cxn modelId="{5A8C9BE2-A53E-4BAB-865D-C8AA85182CD2}" type="presOf" srcId="{F1A2854A-4EAB-4A64-AE23-989BDBFA0E13}" destId="{68D4CEE8-FC32-4604-9D9B-95D79D1206E6}" srcOrd="0" destOrd="0" presId="urn:microsoft.com/office/officeart/2005/8/layout/vList4"/>
     <dgm:cxn modelId="{4C4EBAB1-E163-4D5D-A88A-84B3D3EB7AAF}" type="presParOf" srcId="{4BE5D136-8BD1-441C-BD36-67B7CB620367}" destId="{625FD570-F2C0-45EF-AE1B-157268F1F9B8}" srcOrd="0" destOrd="0" presId="urn:microsoft.com/office/officeart/2005/8/layout/vList4"/>
     <dgm:cxn modelId="{089AE70F-7A30-4ACE-8CA4-0ACDD01D4C45}" type="presParOf" srcId="{625FD570-F2C0-45EF-AE1B-157268F1F9B8}" destId="{0B372F1C-1A04-4A86-B1DC-189252E666EC}" srcOrd="0" destOrd="0" presId="urn:microsoft.com/office/officeart/2005/8/layout/vList4"/>
     <dgm:cxn modelId="{6D27E316-F161-4549-917F-D03539DA13BF}" type="presParOf" srcId="{625FD570-F2C0-45EF-AE1B-157268F1F9B8}" destId="{C15688EA-32D5-40B4-95D4-EB6321DB5631}" srcOrd="1" destOrd="0" presId="urn:microsoft.com/office/officeart/2005/8/layout/vList4"/>
@@ -5091,17 +5084,10 @@
             <a:gd name="adj" fmla="val 10000"/>
           </a:avLst>
         </a:prstGeom>
-        <a:blipFill>
-          <a:blip xmlns:r="http://schemas.openxmlformats.org/officeDocument/2006/relationships" r:embed="rId3">
-            <a:extLst>
-              <a:ext uri="{28A0092B-C50C-407E-A947-70E740481C1C}">
-                <a14:useLocalDpi xmlns:a14="http://schemas.microsoft.com/office/drawing/2010/main" val="0"/>
-              </a:ext>
-            </a:extLst>
-          </a:blip>
-          <a:srcRect/>
+        <a:blipFill rotWithShape="1">
+          <a:blip xmlns:r="http://schemas.openxmlformats.org/officeDocument/2006/relationships" r:embed="rId3"/>
           <a:stretch>
-            <a:fillRect t="-6000" b="-6000"/>
+            <a:fillRect/>
           </a:stretch>
         </a:blipFill>
         <a:ln w="12700" cap="flat" cmpd="sng" algn="ctr">
@@ -10580,7 +10566,7 @@
           <a:p>
             <a:fld id="{255BE17B-D695-42B8-85AA-F11D36EF5035}" type="datetimeFigureOut">
               <a:rPr kumimoji="1" lang="ja-JP" altLang="en-US" smtClean="0"/>
-              <a:t>2022/1/26</a:t>
+              <a:t>2022/1/27</a:t>
             </a:fld>
             <a:endParaRPr kumimoji="1" lang="ja-JP" altLang="en-US"/>
           </a:p>
@@ -10782,7 +10768,7 @@
           <a:p>
             <a:fld id="{255BE17B-D695-42B8-85AA-F11D36EF5035}" type="datetimeFigureOut">
               <a:rPr kumimoji="1" lang="ja-JP" altLang="en-US" smtClean="0"/>
-              <a:t>2022/1/26</a:t>
+              <a:t>2022/1/27</a:t>
             </a:fld>
             <a:endParaRPr kumimoji="1" lang="ja-JP" altLang="en-US"/>
           </a:p>
@@ -10994,7 +10980,7 @@
           <a:p>
             <a:fld id="{255BE17B-D695-42B8-85AA-F11D36EF5035}" type="datetimeFigureOut">
               <a:rPr kumimoji="1" lang="ja-JP" altLang="en-US" smtClean="0"/>
-              <a:t>2022/1/26</a:t>
+              <a:t>2022/1/27</a:t>
             </a:fld>
             <a:endParaRPr kumimoji="1" lang="ja-JP" altLang="en-US"/>
           </a:p>
@@ -11196,7 +11182,7 @@
           <a:p>
             <a:fld id="{255BE17B-D695-42B8-85AA-F11D36EF5035}" type="datetimeFigureOut">
               <a:rPr kumimoji="1" lang="ja-JP" altLang="en-US" smtClean="0"/>
-              <a:t>2022/1/26</a:t>
+              <a:t>2022/1/27</a:t>
             </a:fld>
             <a:endParaRPr kumimoji="1" lang="ja-JP" altLang="en-US"/>
           </a:p>
@@ -11440,7 +11426,7 @@
           <a:p>
             <a:fld id="{255BE17B-D695-42B8-85AA-F11D36EF5035}" type="datetimeFigureOut">
               <a:rPr kumimoji="1" lang="ja-JP" altLang="en-US" smtClean="0"/>
-              <a:t>2022/1/26</a:t>
+              <a:t>2022/1/27</a:t>
             </a:fld>
             <a:endParaRPr kumimoji="1" lang="ja-JP" altLang="en-US"/>
           </a:p>
@@ -11736,7 +11722,7 @@
           <a:p>
             <a:fld id="{255BE17B-D695-42B8-85AA-F11D36EF5035}" type="datetimeFigureOut">
               <a:rPr kumimoji="1" lang="ja-JP" altLang="en-US" smtClean="0"/>
-              <a:t>2022/1/26</a:t>
+              <a:t>2022/1/27</a:t>
             </a:fld>
             <a:endParaRPr kumimoji="1" lang="ja-JP" altLang="en-US"/>
           </a:p>
@@ -12167,7 +12153,7 @@
           <a:p>
             <a:fld id="{255BE17B-D695-42B8-85AA-F11D36EF5035}" type="datetimeFigureOut">
               <a:rPr kumimoji="1" lang="ja-JP" altLang="en-US" smtClean="0"/>
-              <a:t>2022/1/26</a:t>
+              <a:t>2022/1/27</a:t>
             </a:fld>
             <a:endParaRPr kumimoji="1" lang="ja-JP" altLang="en-US"/>
           </a:p>
@@ -12285,7 +12271,7 @@
           <a:p>
             <a:fld id="{255BE17B-D695-42B8-85AA-F11D36EF5035}" type="datetimeFigureOut">
               <a:rPr kumimoji="1" lang="ja-JP" altLang="en-US" smtClean="0"/>
-              <a:t>2022/1/26</a:t>
+              <a:t>2022/1/27</a:t>
             </a:fld>
             <a:endParaRPr kumimoji="1" lang="ja-JP" altLang="en-US"/>
           </a:p>
@@ -12380,7 +12366,7 @@
           <a:p>
             <a:fld id="{255BE17B-D695-42B8-85AA-F11D36EF5035}" type="datetimeFigureOut">
               <a:rPr kumimoji="1" lang="ja-JP" altLang="en-US" smtClean="0"/>
-              <a:t>2022/1/26</a:t>
+              <a:t>2022/1/27</a:t>
             </a:fld>
             <a:endParaRPr kumimoji="1" lang="ja-JP" altLang="en-US"/>
           </a:p>
@@ -12689,7 +12675,7 @@
           <a:p>
             <a:fld id="{255BE17B-D695-42B8-85AA-F11D36EF5035}" type="datetimeFigureOut">
               <a:rPr kumimoji="1" lang="ja-JP" altLang="en-US" smtClean="0"/>
-              <a:t>2022/1/26</a:t>
+              <a:t>2022/1/27</a:t>
             </a:fld>
             <a:endParaRPr kumimoji="1" lang="ja-JP" altLang="en-US"/>
           </a:p>
@@ -12946,7 +12932,7 @@
           <a:p>
             <a:fld id="{255BE17B-D695-42B8-85AA-F11D36EF5035}" type="datetimeFigureOut">
               <a:rPr kumimoji="1" lang="ja-JP" altLang="en-US" smtClean="0"/>
-              <a:t>2022/1/26</a:t>
+              <a:t>2022/1/27</a:t>
             </a:fld>
             <a:endParaRPr kumimoji="1" lang="ja-JP" altLang="en-US"/>
           </a:p>
@@ -13191,7 +13177,7 @@
           <a:p>
             <a:fld id="{255BE17B-D695-42B8-85AA-F11D36EF5035}" type="datetimeFigureOut">
               <a:rPr kumimoji="1" lang="ja-JP" altLang="en-US" smtClean="0"/>
-              <a:t>2022/1/26</a:t>
+              <a:t>2022/1/27</a:t>
             </a:fld>
             <a:endParaRPr kumimoji="1" lang="ja-JP" altLang="en-US"/>
           </a:p>
@@ -13677,7 +13663,7 @@
           <p:nvPr>
             <p:extLst>
               <p:ext uri="{D42A27DB-BD31-4B8C-83A1-F6EECF244321}">
-                <p14:modId xmlns:p14="http://schemas.microsoft.com/office/powerpoint/2010/main" val="1274370080"/>
+                <p14:modId xmlns:p14="http://schemas.microsoft.com/office/powerpoint/2010/main" val="134122329"/>
               </p:ext>
             </p:extLst>
           </p:nvPr>
